--- a/NodeJS/lesson_29/Presentation/Working_with_requests.pptx
+++ b/NodeJS/lesson_29/Presentation/Working_with_requests.pptx
@@ -2328,16 +2328,6 @@
           </a:bodyPr>
           <a:lstStyle/>
           <a:p>
-            <a:pPr>
-              <a:buFont typeface="Arial" pitchFamily="34" charset="0"/>
-              <a:buChar char="•"/>
-            </a:pPr>
-            <a:r>
-              <a:rPr lang="en-US" dirty="0">
-                <a:latin typeface="Calibri" pitchFamily="34" charset="0"/>
-              </a:rPr>
-              <a:t> </a:t>
-            </a:r>
             <a:r>
               <a:rPr lang="ru-RU" dirty="0">
                 <a:latin typeface="Calibri" pitchFamily="34" charset="0"/>
@@ -2388,16 +2378,6 @@
             </a:endParaRPr>
           </a:p>
           <a:p>
-            <a:pPr>
-              <a:buFont typeface="Arial" pitchFamily="34" charset="0"/>
-              <a:buChar char="•"/>
-            </a:pPr>
-            <a:r>
-              <a:rPr lang="en-US" dirty="0">
-                <a:latin typeface="Calibri" pitchFamily="34" charset="0"/>
-              </a:rPr>
-              <a:t> </a:t>
-            </a:r>
             <a:r>
               <a:rPr lang="ru-RU" dirty="0">
                 <a:latin typeface="Calibri" pitchFamily="34" charset="0"/>
@@ -2478,16 +2458,6 @@
             </a:endParaRPr>
           </a:p>
           <a:p>
-            <a:pPr>
-              <a:buFont typeface="Arial" pitchFamily="34" charset="0"/>
-              <a:buChar char="•"/>
-            </a:pPr>
-            <a:r>
-              <a:rPr lang="en-US" dirty="0">
-                <a:latin typeface="Calibri" pitchFamily="34" charset="0"/>
-              </a:rPr>
-              <a:t> </a:t>
-            </a:r>
             <a:r>
               <a:rPr lang="ru-RU" dirty="0">
                 <a:latin typeface="Calibri" pitchFamily="34" charset="0"/>
@@ -3297,7 +3267,7 @@
         <p:spPr>
           <a:xfrm>
             <a:off x="539552" y="1268760"/>
-            <a:ext cx="7848872" cy="923330"/>
+            <a:ext cx="7848872" cy="646331"/>
           </a:xfrm>
           <a:prstGeom prst="rect">
             <a:avLst/>
@@ -3310,18 +3280,8 @@
           </a:bodyPr>
           <a:lstStyle/>
           <a:p>
-            <a:pPr>
-              <a:buFont typeface="Arial" pitchFamily="34" charset="0"/>
-              <a:buChar char="•"/>
-            </a:pPr>
-            <a:r>
-              <a:rPr lang="ru-RU" dirty="0">
-                <a:latin typeface="Calibri" pitchFamily="34" charset="0"/>
-              </a:rPr>
-              <a:t> </a:t>
-            </a:r>
-            <a:r>
-              <a:rPr lang="en-US" b="1" dirty="0">
+            <a:r>
+              <a:rPr lang="en-US" b="1" dirty="0" err="1">
                 <a:latin typeface="Calibri" pitchFamily="34" charset="0"/>
               </a:rPr>
               <a:t>http.Server</a:t>
@@ -3643,15 +3603,11 @@
           </a:bodyPr>
           <a:lstStyle/>
           <a:p>
-            <a:pPr>
-              <a:buFont typeface="Arial" pitchFamily="34" charset="0"/>
-              <a:buChar char="•"/>
-            </a:pPr>
             <a:r>
               <a:rPr lang="ru-RU" dirty="0">
                 <a:latin typeface="Calibri" pitchFamily="34" charset="0"/>
               </a:rPr>
-              <a:t> Событие </a:t>
+              <a:t>Событие </a:t>
             </a:r>
             <a:r>
               <a:rPr lang="en-US" dirty="0">
@@ -3688,15 +3644,11 @@
             </a:endParaRPr>
           </a:p>
           <a:p>
-            <a:pPr>
-              <a:buFont typeface="Arial" pitchFamily="34" charset="0"/>
-              <a:buChar char="•"/>
-            </a:pPr>
             <a:r>
               <a:rPr lang="ru-RU" dirty="0">
                 <a:latin typeface="Calibri" pitchFamily="34" charset="0"/>
               </a:rPr>
-              <a:t> Объект </a:t>
+              <a:t>Объект </a:t>
             </a:r>
             <a:r>
               <a:rPr lang="ru-RU" dirty="0" err="1">
@@ -3826,15 +3778,11 @@
           </a:bodyPr>
           <a:lstStyle/>
           <a:p>
-            <a:pPr>
-              <a:buFont typeface="Arial" pitchFamily="34" charset="0"/>
-              <a:buChar char="•"/>
-            </a:pPr>
             <a:r>
               <a:rPr lang="ru-RU" dirty="0">
                 <a:latin typeface="Calibri" pitchFamily="34" charset="0"/>
               </a:rPr>
-              <a:t> Для создания </a:t>
+              <a:t>Для создания </a:t>
             </a:r>
             <a:r>
               <a:rPr lang="en-US" dirty="0">
@@ -3871,27 +3819,23 @@
             </a:endParaRPr>
           </a:p>
           <a:p>
-            <a:pPr>
-              <a:buFont typeface="Arial" pitchFamily="34" charset="0"/>
-              <a:buChar char="•"/>
-            </a:pPr>
+            <a:r>
+              <a:rPr lang="ru-RU" b="1" dirty="0" err="1">
+                <a:latin typeface="Calibri" pitchFamily="34" charset="0"/>
+              </a:rPr>
+              <a:t>http.request</a:t>
+            </a:r>
+            <a:r>
+              <a:rPr lang="ru-RU" b="1" dirty="0">
+                <a:latin typeface="Calibri" pitchFamily="34" charset="0"/>
+              </a:rPr>
+              <a:t>()</a:t>
+            </a:r>
             <a:r>
               <a:rPr lang="ru-RU" dirty="0">
                 <a:latin typeface="Calibri" pitchFamily="34" charset="0"/>
               </a:rPr>
-              <a:t> </a:t>
-            </a:r>
-            <a:r>
-              <a:rPr lang="ru-RU" dirty="0" err="1">
-                <a:latin typeface="Calibri" pitchFamily="34" charset="0"/>
-              </a:rPr>
-              <a:t>http.request</a:t>
-            </a:r>
-            <a:r>
-              <a:rPr lang="ru-RU" dirty="0">
-                <a:latin typeface="Calibri" pitchFamily="34" charset="0"/>
-              </a:rPr>
-              <a:t>() возвращает объект класса </a:t>
+              <a:t> возвращает объект класса </a:t>
             </a:r>
             <a:r>
               <a:rPr lang="ru-RU" dirty="0" err="1">
@@ -4260,31 +4204,49 @@
               <a:rPr lang="ru-RU" dirty="0">
                 <a:latin typeface="Calibri" pitchFamily="34" charset="0"/>
               </a:rPr>
-              <a:t>Используя </a:t>
-            </a:r>
-            <a:r>
-              <a:rPr lang="ru-RU" dirty="0" err="1">
+              <a:t>Используя</a:t>
+            </a:r>
+            <a:r>
+              <a:rPr lang="ru-RU" b="1" dirty="0">
+                <a:latin typeface="Calibri" pitchFamily="34" charset="0"/>
+              </a:rPr>
+              <a:t> </a:t>
+            </a:r>
+            <a:r>
+              <a:rPr lang="ru-RU" b="1" dirty="0" err="1">
                 <a:latin typeface="Calibri" pitchFamily="34" charset="0"/>
               </a:rPr>
               <a:t>http.request</a:t>
             </a:r>
             <a:r>
+              <a:rPr lang="ru-RU" b="1" dirty="0">
+                <a:latin typeface="Calibri" pitchFamily="34" charset="0"/>
+              </a:rPr>
+              <a:t>()</a:t>
+            </a:r>
+            <a:r>
               <a:rPr lang="ru-RU" dirty="0">
                 <a:latin typeface="Calibri" pitchFamily="34" charset="0"/>
               </a:rPr>
-              <a:t>() вы должны вызвать </a:t>
-            </a:r>
-            <a:r>
-              <a:rPr lang="ru-RU" dirty="0" err="1">
+              <a:t> вы должны вызвать </a:t>
+            </a:r>
+            <a:r>
+              <a:rPr lang="ru-RU" b="1" dirty="0" err="1">
                 <a:latin typeface="Calibri" pitchFamily="34" charset="0"/>
               </a:rPr>
               <a:t>req.end</a:t>
             </a:r>
             <a:r>
+              <a:rPr lang="ru-RU" b="1" dirty="0">
+                <a:latin typeface="Calibri" pitchFamily="34" charset="0"/>
+              </a:rPr>
+              <a:t>()</a:t>
+            </a:r>
+            <a:r>
               <a:rPr lang="ru-RU" dirty="0">
                 <a:latin typeface="Calibri" pitchFamily="34" charset="0"/>
               </a:rPr>
-              <a:t>(), иначе всё что вы делали до этого с объектом запроса не произойдёт и данные не будут отправлены.</a:t>
+              <a:t>, иначе всё что вы делали до этого с объектом запроса не произойдёт и данные не будут отправлены.</a:t>
             </a:r>
             <a:endParaRPr lang="en-US" dirty="0">
               <a:latin typeface="Calibri" pitchFamily="34" charset="0"/>
